--- a/grit image.pptx
+++ b/grit image.pptx
@@ -104,6 +104,11 @@
       </a:defRPr>
     </a:lvl9pPr>
   </p:defaultTextStyle>
+  <p:extLst>
+    <p:ext uri="{EFAFB233-063F-42B5-8137-9DF3F51BA10A}">
+      <p15:sldGuideLst xmlns:p15="http://schemas.microsoft.com/office/powerpoint/2012/main"/>
+    </p:ext>
+  </p:extLst>
 </p:presentation>
 </file>
 
@@ -238,7 +243,7 @@
           <a:p>
             <a:fld id="{B362003B-328B-AB4C-BD21-F1F7EB2DF6FF}" type="datetimeFigureOut">
               <a:rPr lang="en-US" smtClean="0"/>
-              <a:t>11/30/16</a:t>
+              <a:t>12/5/16</a:t>
             </a:fld>
             <a:endParaRPr lang="en-US"/>
           </a:p>
@@ -408,7 +413,7 @@
           <a:p>
             <a:fld id="{B362003B-328B-AB4C-BD21-F1F7EB2DF6FF}" type="datetimeFigureOut">
               <a:rPr lang="en-US" smtClean="0"/>
-              <a:t>11/30/16</a:t>
+              <a:t>12/5/16</a:t>
             </a:fld>
             <a:endParaRPr lang="en-US"/>
           </a:p>
@@ -588,7 +593,7 @@
           <a:p>
             <a:fld id="{B362003B-328B-AB4C-BD21-F1F7EB2DF6FF}" type="datetimeFigureOut">
               <a:rPr lang="en-US" smtClean="0"/>
-              <a:t>11/30/16</a:t>
+              <a:t>12/5/16</a:t>
             </a:fld>
             <a:endParaRPr lang="en-US"/>
           </a:p>
@@ -758,7 +763,7 @@
           <a:p>
             <a:fld id="{B362003B-328B-AB4C-BD21-F1F7EB2DF6FF}" type="datetimeFigureOut">
               <a:rPr lang="en-US" smtClean="0"/>
-              <a:t>11/30/16</a:t>
+              <a:t>12/5/16</a:t>
             </a:fld>
             <a:endParaRPr lang="en-US"/>
           </a:p>
@@ -1004,7 +1009,7 @@
           <a:p>
             <a:fld id="{B362003B-328B-AB4C-BD21-F1F7EB2DF6FF}" type="datetimeFigureOut">
               <a:rPr lang="en-US" smtClean="0"/>
-              <a:t>11/30/16</a:t>
+              <a:t>12/5/16</a:t>
             </a:fld>
             <a:endParaRPr lang="en-US"/>
           </a:p>
@@ -1236,7 +1241,7 @@
           <a:p>
             <a:fld id="{B362003B-328B-AB4C-BD21-F1F7EB2DF6FF}" type="datetimeFigureOut">
               <a:rPr lang="en-US" smtClean="0"/>
-              <a:t>11/30/16</a:t>
+              <a:t>12/5/16</a:t>
             </a:fld>
             <a:endParaRPr lang="en-US"/>
           </a:p>
@@ -1603,7 +1608,7 @@
           <a:p>
             <a:fld id="{B362003B-328B-AB4C-BD21-F1F7EB2DF6FF}" type="datetimeFigureOut">
               <a:rPr lang="en-US" smtClean="0"/>
-              <a:t>11/30/16</a:t>
+              <a:t>12/5/16</a:t>
             </a:fld>
             <a:endParaRPr lang="en-US"/>
           </a:p>
@@ -1721,7 +1726,7 @@
           <a:p>
             <a:fld id="{B362003B-328B-AB4C-BD21-F1F7EB2DF6FF}" type="datetimeFigureOut">
               <a:rPr lang="en-US" smtClean="0"/>
-              <a:t>11/30/16</a:t>
+              <a:t>12/5/16</a:t>
             </a:fld>
             <a:endParaRPr lang="en-US"/>
           </a:p>
@@ -1816,7 +1821,7 @@
           <a:p>
             <a:fld id="{B362003B-328B-AB4C-BD21-F1F7EB2DF6FF}" type="datetimeFigureOut">
               <a:rPr lang="en-US" smtClean="0"/>
-              <a:t>11/30/16</a:t>
+              <a:t>12/5/16</a:t>
             </a:fld>
             <a:endParaRPr lang="en-US"/>
           </a:p>
@@ -2093,7 +2098,7 @@
           <a:p>
             <a:fld id="{B362003B-328B-AB4C-BD21-F1F7EB2DF6FF}" type="datetimeFigureOut">
               <a:rPr lang="en-US" smtClean="0"/>
-              <a:t>11/30/16</a:t>
+              <a:t>12/5/16</a:t>
             </a:fld>
             <a:endParaRPr lang="en-US"/>
           </a:p>
@@ -2346,7 +2351,7 @@
           <a:p>
             <a:fld id="{B362003B-328B-AB4C-BD21-F1F7EB2DF6FF}" type="datetimeFigureOut">
               <a:rPr lang="en-US" smtClean="0"/>
-              <a:t>11/30/16</a:t>
+              <a:t>12/5/16</a:t>
             </a:fld>
             <a:endParaRPr lang="en-US"/>
           </a:p>
@@ -2559,7 +2564,7 @@
           <a:p>
             <a:fld id="{B362003B-328B-AB4C-BD21-F1F7EB2DF6FF}" type="datetimeFigureOut">
               <a:rPr lang="en-US" smtClean="0"/>
-              <a:t>11/30/16</a:t>
+              <a:t>12/5/16</a:t>
             </a:fld>
             <a:endParaRPr lang="en-US"/>
           </a:p>
@@ -2964,623 +2969,546 @@
           <a:chExt cx="0" cy="0"/>
         </a:xfrm>
       </p:grpSpPr>
-      <p:grpSp>
-        <p:nvGrpSpPr>
-          <p:cNvPr id="20" name="Group 19"/>
-          <p:cNvGrpSpPr/>
+      <p:sp>
+        <p:nvSpPr>
+          <p:cNvPr id="6" name="Oval 5"/>
+          <p:cNvSpPr/>
           <p:nvPr/>
-        </p:nvGrpSpPr>
-        <p:grpSpPr>
+        </p:nvSpPr>
+        <p:spPr>
           <a:xfrm>
-            <a:off x="2884001" y="1362402"/>
-            <a:ext cx="4682067" cy="4165600"/>
-            <a:chOff x="3776133" y="872067"/>
-            <a:chExt cx="4682067" cy="4165600"/>
-          </a:xfrm>
-        </p:grpSpPr>
-        <p:grpSp>
-          <p:nvGrpSpPr>
-            <p:cNvPr id="18" name="Group 17"/>
-            <p:cNvGrpSpPr/>
-            <p:nvPr/>
-          </p:nvGrpSpPr>
-          <p:grpSpPr>
-            <a:xfrm>
-              <a:off x="3776133" y="872067"/>
-              <a:ext cx="4682067" cy="4165600"/>
-              <a:chOff x="855133" y="1659467"/>
-              <a:chExt cx="4682067" cy="4165600"/>
-            </a:xfrm>
-          </p:grpSpPr>
-          <p:sp>
-            <p:nvSpPr>
-              <p:cNvPr id="4" name="Oval 3"/>
-              <p:cNvSpPr/>
-              <p:nvPr/>
-            </p:nvSpPr>
-            <p:spPr>
-              <a:xfrm>
-                <a:off x="2473299" y="2430450"/>
-                <a:ext cx="1590261" cy="652007"/>
-              </a:xfrm>
-              <a:prstGeom prst="ellipse">
-                <a:avLst/>
-              </a:prstGeom>
-            </p:spPr>
-            <p:style>
-              <a:lnRef idx="2">
-                <a:schemeClr val="dk1"/>
-              </a:lnRef>
-              <a:fillRef idx="1">
-                <a:schemeClr val="lt1"/>
-              </a:fillRef>
-              <a:effectRef idx="0">
-                <a:schemeClr val="dk1"/>
-              </a:effectRef>
-              <a:fontRef idx="minor">
-                <a:schemeClr val="dk1"/>
-              </a:fontRef>
-            </p:style>
-            <p:txBody>
-              <a:bodyPr rtlCol="0" anchor="ctr"/>
-              <a:lstStyle/>
-              <a:p>
-                <a:pPr algn="ctr"/>
-                <a:r>
-                  <a:rPr lang="en-US" smtClean="0">
-                    <a:latin typeface="Courier New" charset="0"/>
-                    <a:ea typeface="Courier New" charset="0"/>
-                    <a:cs typeface="Courier New" charset="0"/>
-                  </a:rPr>
-                  <a:t>3e47ab</a:t>
-                </a:r>
-                <a:endParaRPr lang="en-US">
-                  <a:latin typeface="Courier New" charset="0"/>
-                  <a:ea typeface="Courier New" charset="0"/>
-                  <a:cs typeface="Courier New" charset="0"/>
-                </a:endParaRPr>
-              </a:p>
-            </p:txBody>
-          </p:sp>
-          <p:sp>
-            <p:nvSpPr>
-              <p:cNvPr id="6" name="Oval 5"/>
-              <p:cNvSpPr/>
-              <p:nvPr/>
-            </p:nvSpPr>
-            <p:spPr>
-              <a:xfrm>
-                <a:off x="3707960" y="3391526"/>
-                <a:ext cx="1590261" cy="652007"/>
-              </a:xfrm>
-              <a:prstGeom prst="ellipse">
-                <a:avLst/>
-              </a:prstGeom>
-            </p:spPr>
-            <p:style>
-              <a:lnRef idx="2">
-                <a:schemeClr val="dk1"/>
-              </a:lnRef>
-              <a:fillRef idx="1">
-                <a:schemeClr val="lt1"/>
-              </a:fillRef>
-              <a:effectRef idx="0">
-                <a:schemeClr val="dk1"/>
-              </a:effectRef>
-              <a:fontRef idx="minor">
-                <a:schemeClr val="dk1"/>
-              </a:fontRef>
-            </p:style>
-            <p:txBody>
-              <a:bodyPr rtlCol="0" anchor="ctr"/>
-              <a:lstStyle/>
-              <a:p>
-                <a:pPr algn="ctr"/>
-                <a:r>
-                  <a:rPr lang="en-US" dirty="0" smtClean="0">
-                    <a:latin typeface="Courier New" charset="0"/>
-                    <a:ea typeface="Courier New" charset="0"/>
-                    <a:cs typeface="Courier New" charset="0"/>
-                  </a:rPr>
-                  <a:t>j345l2</a:t>
-                </a:r>
-                <a:endParaRPr lang="en-US" dirty="0">
-                  <a:latin typeface="Courier New" charset="0"/>
-                  <a:ea typeface="Courier New" charset="0"/>
-                  <a:cs typeface="Courier New" charset="0"/>
-                </a:endParaRPr>
-              </a:p>
-            </p:txBody>
-          </p:sp>
-          <p:sp>
-            <p:nvSpPr>
-              <p:cNvPr id="7" name="Oval 6"/>
-              <p:cNvSpPr/>
-              <p:nvPr/>
-            </p:nvSpPr>
-            <p:spPr>
-              <a:xfrm>
-                <a:off x="1088961" y="3391526"/>
-                <a:ext cx="1590261" cy="652007"/>
-              </a:xfrm>
-              <a:prstGeom prst="ellipse">
-                <a:avLst/>
-              </a:prstGeom>
-            </p:spPr>
-            <p:style>
-              <a:lnRef idx="2">
-                <a:schemeClr val="dk1"/>
-              </a:lnRef>
-              <a:fillRef idx="1">
-                <a:schemeClr val="lt1"/>
-              </a:fillRef>
-              <a:effectRef idx="0">
-                <a:schemeClr val="dk1"/>
-              </a:effectRef>
-              <a:fontRef idx="minor">
-                <a:schemeClr val="dk1"/>
-              </a:fontRef>
-            </p:style>
-            <p:txBody>
-              <a:bodyPr rtlCol="0" anchor="ctr"/>
-              <a:lstStyle/>
-              <a:p>
-                <a:pPr algn="ctr"/>
-                <a:r>
-                  <a:rPr lang="en-US" dirty="0" smtClean="0">
-                    <a:latin typeface="Courier New" charset="0"/>
-                    <a:ea typeface="Courier New" charset="0"/>
-                    <a:cs typeface="Courier New" charset="0"/>
-                  </a:rPr>
-                  <a:t>a34593</a:t>
-                </a:r>
-                <a:endParaRPr lang="en-US" dirty="0">
-                  <a:latin typeface="Courier New" charset="0"/>
-                  <a:ea typeface="Courier New" charset="0"/>
-                  <a:cs typeface="Courier New" charset="0"/>
-                </a:endParaRPr>
-              </a:p>
-            </p:txBody>
-          </p:sp>
-          <p:sp>
-            <p:nvSpPr>
-              <p:cNvPr id="8" name="Oval 7"/>
-              <p:cNvSpPr/>
-              <p:nvPr/>
-            </p:nvSpPr>
-            <p:spPr>
-              <a:xfrm>
-                <a:off x="2473299" y="4352604"/>
-                <a:ext cx="1590261" cy="652007"/>
-              </a:xfrm>
-              <a:prstGeom prst="ellipse">
-                <a:avLst/>
-              </a:prstGeom>
-            </p:spPr>
-            <p:style>
-              <a:lnRef idx="2">
-                <a:schemeClr val="dk1"/>
-              </a:lnRef>
-              <a:fillRef idx="1">
-                <a:schemeClr val="lt1"/>
-              </a:fillRef>
-              <a:effectRef idx="0">
-                <a:schemeClr val="dk1"/>
-              </a:effectRef>
-              <a:fontRef idx="minor">
-                <a:schemeClr val="dk1"/>
-              </a:fontRef>
-            </p:style>
-            <p:txBody>
-              <a:bodyPr rtlCol="0" anchor="ctr"/>
-              <a:lstStyle/>
-              <a:p>
-                <a:pPr algn="ctr"/>
-                <a:r>
-                  <a:rPr lang="en-US" dirty="0" smtClean="0">
-                    <a:latin typeface="Courier New" charset="0"/>
-                    <a:ea typeface="Courier New" charset="0"/>
-                    <a:cs typeface="Courier New" charset="0"/>
-                  </a:rPr>
-                  <a:t>9wxf23</a:t>
-                </a:r>
-                <a:endParaRPr lang="en-US" dirty="0">
-                  <a:latin typeface="Courier New" charset="0"/>
-                  <a:ea typeface="Courier New" charset="0"/>
-                  <a:cs typeface="Courier New" charset="0"/>
-                </a:endParaRPr>
-              </a:p>
-            </p:txBody>
-          </p:sp>
-          <p:cxnSp>
-            <p:nvCxnSpPr>
-              <p:cNvPr id="10" name="Straight Arrow Connector 9"/>
-              <p:cNvCxnSpPr>
-                <a:stCxn id="4" idx="3"/>
-              </p:cNvCxnSpPr>
-              <p:nvPr/>
-            </p:nvCxnSpPr>
-            <p:spPr>
-              <a:xfrm flipH="1">
-                <a:off x="2208172" y="2986973"/>
-                <a:ext cx="498015" cy="404553"/>
-              </a:xfrm>
-              <a:prstGeom prst="straightConnector1">
-                <a:avLst/>
-              </a:prstGeom>
-              <a:ln>
-                <a:tailEnd type="triangle"/>
-              </a:ln>
-            </p:spPr>
-            <p:style>
-              <a:lnRef idx="1">
-                <a:schemeClr val="dk1"/>
-              </a:lnRef>
-              <a:fillRef idx="0">
-                <a:schemeClr val="dk1"/>
-              </a:fillRef>
-              <a:effectRef idx="0">
-                <a:schemeClr val="dk1"/>
-              </a:effectRef>
-              <a:fontRef idx="minor">
-                <a:schemeClr val="tx1"/>
-              </a:fontRef>
-            </p:style>
-          </p:cxnSp>
-          <p:cxnSp>
-            <p:nvCxnSpPr>
-              <p:cNvPr id="11" name="Straight Arrow Connector 10"/>
-              <p:cNvCxnSpPr/>
-              <p:nvPr/>
-            </p:nvCxnSpPr>
-            <p:spPr>
-              <a:xfrm flipH="1">
-                <a:off x="3798433" y="4043533"/>
-                <a:ext cx="530254" cy="404553"/>
-              </a:xfrm>
-              <a:prstGeom prst="straightConnector1">
-                <a:avLst/>
-              </a:prstGeom>
-              <a:ln>
-                <a:tailEnd type="triangle"/>
-              </a:ln>
-            </p:spPr>
-            <p:style>
-              <a:lnRef idx="1">
-                <a:schemeClr val="dk1"/>
-              </a:lnRef>
-              <a:fillRef idx="0">
-                <a:schemeClr val="dk1"/>
-              </a:fillRef>
-              <a:effectRef idx="0">
-                <a:schemeClr val="dk1"/>
-              </a:effectRef>
-              <a:fontRef idx="minor">
-                <a:schemeClr val="tx1"/>
-              </a:fontRef>
-            </p:style>
-          </p:cxnSp>
-          <p:cxnSp>
-            <p:nvCxnSpPr>
-              <p:cNvPr id="12" name="Straight Arrow Connector 11"/>
-              <p:cNvCxnSpPr/>
-              <p:nvPr/>
-            </p:nvCxnSpPr>
-            <p:spPr>
-              <a:xfrm>
-                <a:off x="3821280" y="2986973"/>
-                <a:ext cx="507407" cy="404553"/>
-              </a:xfrm>
-              <a:prstGeom prst="straightConnector1">
-                <a:avLst/>
-              </a:prstGeom>
-              <a:ln>
-                <a:tailEnd type="triangle"/>
-              </a:ln>
-            </p:spPr>
-            <p:style>
-              <a:lnRef idx="1">
-                <a:schemeClr val="dk1"/>
-              </a:lnRef>
-              <a:fillRef idx="0">
-                <a:schemeClr val="dk1"/>
-              </a:fillRef>
-              <a:effectRef idx="0">
-                <a:schemeClr val="dk1"/>
-              </a:effectRef>
-              <a:fontRef idx="minor">
-                <a:schemeClr val="tx1"/>
-              </a:fontRef>
-            </p:style>
-          </p:cxnSp>
-          <p:cxnSp>
-            <p:nvCxnSpPr>
-              <p:cNvPr id="16" name="Straight Arrow Connector 15"/>
-              <p:cNvCxnSpPr/>
-              <p:nvPr/>
-            </p:nvCxnSpPr>
-            <p:spPr>
-              <a:xfrm>
-                <a:off x="2304378" y="3995792"/>
-                <a:ext cx="507407" cy="404553"/>
-              </a:xfrm>
-              <a:prstGeom prst="straightConnector1">
-                <a:avLst/>
-              </a:prstGeom>
-              <a:ln>
-                <a:tailEnd type="triangle"/>
-              </a:ln>
-            </p:spPr>
-            <p:style>
-              <a:lnRef idx="1">
-                <a:schemeClr val="dk1"/>
-              </a:lnRef>
-              <a:fillRef idx="0">
-                <a:schemeClr val="dk1"/>
-              </a:fillRef>
-              <a:effectRef idx="0">
-                <a:schemeClr val="dk1"/>
-              </a:effectRef>
-              <a:fontRef idx="minor">
-                <a:schemeClr val="tx1"/>
-              </a:fontRef>
-            </p:style>
-          </p:cxnSp>
-          <p:sp>
-            <p:nvSpPr>
-              <p:cNvPr id="17" name="Oval 16"/>
-              <p:cNvSpPr/>
-              <p:nvPr/>
-            </p:nvSpPr>
-            <p:spPr>
-              <a:xfrm>
-                <a:off x="855133" y="1659467"/>
-                <a:ext cx="4682067" cy="4165600"/>
-              </a:xfrm>
-              <a:prstGeom prst="ellipse">
-                <a:avLst/>
-              </a:prstGeom>
-              <a:noFill/>
-            </p:spPr>
-            <p:style>
-              <a:lnRef idx="2">
-                <a:schemeClr val="dk1"/>
-              </a:lnRef>
-              <a:fillRef idx="1">
-                <a:schemeClr val="lt1"/>
-              </a:fillRef>
-              <a:effectRef idx="0">
-                <a:schemeClr val="dk1"/>
-              </a:effectRef>
-              <a:fontRef idx="minor">
-                <a:schemeClr val="dk1"/>
-              </a:fontRef>
-            </p:style>
-            <p:txBody>
-              <a:bodyPr rtlCol="0" anchor="ctr"/>
-              <a:lstStyle/>
-              <a:p>
-                <a:pPr algn="ctr"/>
-                <a:endParaRPr lang="en-US"/>
-              </a:p>
-            </p:txBody>
-          </p:sp>
-        </p:grpSp>
-        <p:sp>
-          <p:nvSpPr>
-            <p:cNvPr id="19" name="TextBox 18"/>
-            <p:cNvSpPr txBox="1"/>
-            <p:nvPr/>
-          </p:nvSpPr>
-          <p:spPr>
-            <a:xfrm>
-              <a:off x="5101462" y="1258821"/>
-              <a:ext cx="2175934" cy="276999"/>
-            </a:xfrm>
-            <a:prstGeom prst="rect">
-              <a:avLst/>
-            </a:prstGeom>
-            <a:noFill/>
-          </p:spPr>
-          <p:txBody>
-            <a:bodyPr wrap="square" rtlCol="0">
-              <a:spAutoFit/>
-            </a:bodyPr>
-            <a:lstStyle/>
-            <a:p>
-              <a:r>
-                <a:rPr lang="en-US" sz="1200" dirty="0" smtClean="0">
-                  <a:latin typeface="Courier New" charset="0"/>
-                  <a:ea typeface="Courier New" charset="0"/>
-                  <a:cs typeface="Courier New" charset="0"/>
-                </a:rPr>
-                <a:t>ground-context/ground</a:t>
-              </a:r>
-              <a:endParaRPr lang="en-US" sz="1200" dirty="0">
+            <a:off x="5212927" y="3243558"/>
+            <a:ext cx="1114138" cy="652007"/>
+          </a:xfrm>
+          <a:prstGeom prst="ellipse">
+            <a:avLst/>
+          </a:prstGeom>
+          <a:ln w="19050">
+            <a:prstDash val="solid"/>
+          </a:ln>
+        </p:spPr>
+        <p:style>
+          <a:lnRef idx="2">
+            <a:schemeClr val="dk1"/>
+          </a:lnRef>
+          <a:fillRef idx="1">
+            <a:schemeClr val="lt1"/>
+          </a:fillRef>
+          <a:effectRef idx="0">
+            <a:schemeClr val="dk1"/>
+          </a:effectRef>
+          <a:fontRef idx="minor">
+            <a:schemeClr val="dk1"/>
+          </a:fontRef>
+        </p:style>
+        <p:txBody>
+          <a:bodyPr rtlCol="0" anchor="ctr"/>
+          <a:lstStyle/>
+          <a:p>
+            <a:pPr algn="ctr"/>
+            <a:r>
+              <a:rPr lang="en-US" sz="1200" dirty="0" smtClean="0">
                 <a:latin typeface="Courier New" charset="0"/>
                 <a:ea typeface="Courier New" charset="0"/>
                 <a:cs typeface="Courier New" charset="0"/>
-              </a:endParaRPr>
-            </a:p>
-          </p:txBody>
-        </p:sp>
-      </p:grpSp>
-      <p:grpSp>
-        <p:nvGrpSpPr>
-          <p:cNvPr id="48" name="Group 47"/>
-          <p:cNvGrpSpPr/>
+              </a:rPr>
+              <a:t>j345l2</a:t>
+            </a:r>
+            <a:endParaRPr lang="en-US" sz="1200" dirty="0">
+              <a:latin typeface="Courier New" charset="0"/>
+              <a:ea typeface="Courier New" charset="0"/>
+              <a:cs typeface="Courier New" charset="0"/>
+            </a:endParaRPr>
+          </a:p>
+        </p:txBody>
+      </p:sp>
+      <p:sp>
+        <p:nvSpPr>
+          <p:cNvPr id="7" name="Oval 6"/>
+          <p:cNvSpPr/>
           <p:nvPr/>
-        </p:nvGrpSpPr>
-        <p:grpSpPr>
+        </p:nvSpPr>
+        <p:spPr>
           <a:xfrm>
-            <a:off x="85399" y="1707441"/>
-            <a:ext cx="2556933" cy="1691633"/>
-            <a:chOff x="1643917" y="569144"/>
-            <a:chExt cx="2556933" cy="1691633"/>
-          </a:xfrm>
-        </p:grpSpPr>
-        <p:sp>
-          <p:nvSpPr>
-            <p:cNvPr id="25" name="Oval 24"/>
-            <p:cNvSpPr/>
-            <p:nvPr/>
-          </p:nvSpPr>
-          <p:spPr>
-            <a:xfrm>
-              <a:off x="2127254" y="1276696"/>
-              <a:ext cx="1590261" cy="652007"/>
-            </a:xfrm>
-            <a:prstGeom prst="ellipse">
-              <a:avLst/>
-            </a:prstGeom>
-          </p:spPr>
-          <p:style>
-            <a:lnRef idx="2">
-              <a:schemeClr val="accent4"/>
-            </a:lnRef>
-            <a:fillRef idx="1">
-              <a:schemeClr val="lt1"/>
-            </a:fillRef>
-            <a:effectRef idx="0">
-              <a:schemeClr val="accent4"/>
-            </a:effectRef>
-            <a:fontRef idx="minor">
-              <a:schemeClr val="dk1"/>
-            </a:fontRef>
-          </p:style>
-          <p:txBody>
-            <a:bodyPr rtlCol="0" anchor="ctr"/>
-            <a:lstStyle/>
-            <a:p>
-              <a:pPr algn="ctr"/>
-              <a:r>
-                <a:rPr lang="en-US" dirty="0" smtClean="0">
-                  <a:latin typeface="Courier New" charset="0"/>
-                  <a:ea typeface="Courier New" charset="0"/>
-                  <a:cs typeface="Courier New" charset="0"/>
-                </a:rPr>
-                <a:t>3e47ab</a:t>
-              </a:r>
-              <a:endParaRPr lang="en-US" dirty="0">
+            <a:off x="3248415" y="3287676"/>
+            <a:ext cx="1079110" cy="652007"/>
+          </a:xfrm>
+          <a:prstGeom prst="ellipse">
+            <a:avLst/>
+          </a:prstGeom>
+          <a:ln w="19050">
+            <a:prstDash val="solid"/>
+          </a:ln>
+        </p:spPr>
+        <p:style>
+          <a:lnRef idx="2">
+            <a:schemeClr val="dk1"/>
+          </a:lnRef>
+          <a:fillRef idx="1">
+            <a:schemeClr val="lt1"/>
+          </a:fillRef>
+          <a:effectRef idx="0">
+            <a:schemeClr val="dk1"/>
+          </a:effectRef>
+          <a:fontRef idx="minor">
+            <a:schemeClr val="dk1"/>
+          </a:fontRef>
+        </p:style>
+        <p:txBody>
+          <a:bodyPr rtlCol="0" anchor="ctr"/>
+          <a:lstStyle/>
+          <a:p>
+            <a:pPr algn="ctr"/>
+            <a:r>
+              <a:rPr lang="en-US" sz="1200" dirty="0" smtClean="0">
                 <a:latin typeface="Courier New" charset="0"/>
                 <a:ea typeface="Courier New" charset="0"/>
                 <a:cs typeface="Courier New" charset="0"/>
-              </a:endParaRPr>
-            </a:p>
-          </p:txBody>
-        </p:sp>
-        <p:sp>
-          <p:nvSpPr>
-            <p:cNvPr id="33" name="Oval 32"/>
-            <p:cNvSpPr/>
-            <p:nvPr/>
-          </p:nvSpPr>
-          <p:spPr>
-            <a:xfrm>
-              <a:off x="1643917" y="569144"/>
-              <a:ext cx="2556933" cy="1691633"/>
-            </a:xfrm>
-            <a:prstGeom prst="ellipse">
-              <a:avLst/>
-            </a:prstGeom>
-            <a:noFill/>
-          </p:spPr>
-          <p:style>
-            <a:lnRef idx="2">
-              <a:schemeClr val="accent4"/>
-            </a:lnRef>
-            <a:fillRef idx="1">
-              <a:schemeClr val="lt1"/>
-            </a:fillRef>
-            <a:effectRef idx="0">
-              <a:schemeClr val="accent4"/>
-            </a:effectRef>
-            <a:fontRef idx="minor">
-              <a:schemeClr val="dk1"/>
-            </a:fontRef>
-          </p:style>
-          <p:txBody>
-            <a:bodyPr rtlCol="0" anchor="ctr"/>
-            <a:lstStyle/>
-            <a:p>
-              <a:pPr algn="ctr"/>
-              <a:endParaRPr lang="en-US"/>
-            </a:p>
-          </p:txBody>
-        </p:sp>
-        <p:sp>
-          <p:nvSpPr>
-            <p:cNvPr id="24" name="TextBox 23"/>
-            <p:cNvSpPr txBox="1"/>
-            <p:nvPr/>
-          </p:nvSpPr>
-          <p:spPr>
-            <a:xfrm>
-              <a:off x="2499457" y="919884"/>
-              <a:ext cx="845856" cy="276999"/>
-            </a:xfrm>
-            <a:prstGeom prst="rect">
-              <a:avLst/>
-            </a:prstGeom>
-            <a:ln>
-              <a:noFill/>
-            </a:ln>
-          </p:spPr>
-          <p:style>
-            <a:lnRef idx="2">
-              <a:schemeClr val="accent4"/>
-            </a:lnRef>
-            <a:fillRef idx="1">
-              <a:schemeClr val="lt1"/>
-            </a:fillRef>
-            <a:effectRef idx="0">
-              <a:schemeClr val="accent4"/>
-            </a:effectRef>
-            <a:fontRef idx="minor">
-              <a:schemeClr val="dk1"/>
-            </a:fontRef>
-          </p:style>
-          <p:txBody>
-            <a:bodyPr wrap="square" rtlCol="0">
-              <a:spAutoFit/>
-            </a:bodyPr>
-            <a:lstStyle/>
-            <a:p>
-              <a:r>
-                <a:rPr lang="en-US" sz="1200" smtClean="0">
-                  <a:latin typeface="Courier New" charset="0"/>
-                  <a:ea typeface="Courier New" charset="0"/>
-                  <a:cs typeface="Courier New" charset="0"/>
-                </a:rPr>
-                <a:t>pom.xml</a:t>
-              </a:r>
-              <a:endParaRPr lang="en-US" sz="1200" dirty="0">
+              </a:rPr>
+              <a:t>a34593</a:t>
+            </a:r>
+            <a:endParaRPr lang="en-US" sz="1200" dirty="0">
+              <a:latin typeface="Courier New" charset="0"/>
+              <a:ea typeface="Courier New" charset="0"/>
+              <a:cs typeface="Courier New" charset="0"/>
+            </a:endParaRPr>
+          </a:p>
+        </p:txBody>
+      </p:sp>
+      <p:sp>
+        <p:nvSpPr>
+          <p:cNvPr id="8" name="Oval 7"/>
+          <p:cNvSpPr/>
+          <p:nvPr/>
+        </p:nvSpPr>
+        <p:spPr>
+          <a:xfrm>
+            <a:off x="4285433" y="4217431"/>
+            <a:ext cx="1161303" cy="652007"/>
+          </a:xfrm>
+          <a:prstGeom prst="ellipse">
+            <a:avLst/>
+          </a:prstGeom>
+          <a:ln w="19050">
+            <a:prstDash val="solid"/>
+          </a:ln>
+        </p:spPr>
+        <p:style>
+          <a:lnRef idx="2">
+            <a:schemeClr val="dk1"/>
+          </a:lnRef>
+          <a:fillRef idx="1">
+            <a:schemeClr val="lt1"/>
+          </a:fillRef>
+          <a:effectRef idx="0">
+            <a:schemeClr val="dk1"/>
+          </a:effectRef>
+          <a:fontRef idx="minor">
+            <a:schemeClr val="dk1"/>
+          </a:fontRef>
+        </p:style>
+        <p:txBody>
+          <a:bodyPr rtlCol="0" anchor="ctr"/>
+          <a:lstStyle/>
+          <a:p>
+            <a:pPr algn="ctr"/>
+            <a:r>
+              <a:rPr lang="en-US" sz="1200" dirty="0" smtClean="0">
                 <a:latin typeface="Courier New" charset="0"/>
                 <a:ea typeface="Courier New" charset="0"/>
                 <a:cs typeface="Courier New" charset="0"/>
-              </a:endParaRPr>
-            </a:p>
-          </p:txBody>
-        </p:sp>
-      </p:grpSp>
+              </a:rPr>
+              <a:t>9wxf23</a:t>
+            </a:r>
+            <a:endParaRPr lang="en-US" sz="1200" dirty="0">
+              <a:latin typeface="Courier New" charset="0"/>
+              <a:ea typeface="Courier New" charset="0"/>
+              <a:cs typeface="Courier New" charset="0"/>
+            </a:endParaRPr>
+          </a:p>
+        </p:txBody>
+      </p:sp>
+      <p:cxnSp>
+        <p:nvCxnSpPr>
+          <p:cNvPr id="10" name="Straight Arrow Connector 9"/>
+          <p:cNvCxnSpPr/>
+          <p:nvPr/>
+        </p:nvCxnSpPr>
+        <p:spPr>
+          <a:xfrm flipH="1">
+            <a:off x="3856475" y="2883123"/>
+            <a:ext cx="498015" cy="404553"/>
+          </a:xfrm>
+          <a:prstGeom prst="straightConnector1">
+            <a:avLst/>
+          </a:prstGeom>
+          <a:ln w="19050">
+            <a:prstDash val="solid"/>
+            <a:tailEnd type="triangle"/>
+          </a:ln>
+        </p:spPr>
+        <p:style>
+          <a:lnRef idx="1">
+            <a:schemeClr val="dk1"/>
+          </a:lnRef>
+          <a:fillRef idx="0">
+            <a:schemeClr val="dk1"/>
+          </a:fillRef>
+          <a:effectRef idx="0">
+            <a:schemeClr val="dk1"/>
+          </a:effectRef>
+          <a:fontRef idx="minor">
+            <a:schemeClr val="tx1"/>
+          </a:fontRef>
+        </p:style>
+      </p:cxnSp>
+      <p:cxnSp>
+        <p:nvCxnSpPr>
+          <p:cNvPr id="11" name="Straight Arrow Connector 10"/>
+          <p:cNvCxnSpPr/>
+          <p:nvPr/>
+        </p:nvCxnSpPr>
+        <p:spPr>
+          <a:xfrm flipH="1">
+            <a:off x="5303399" y="3895565"/>
+            <a:ext cx="530254" cy="404553"/>
+          </a:xfrm>
+          <a:prstGeom prst="straightConnector1">
+            <a:avLst/>
+          </a:prstGeom>
+          <a:ln w="19050">
+            <a:prstDash val="solid"/>
+            <a:tailEnd type="triangle"/>
+          </a:ln>
+        </p:spPr>
+        <p:style>
+          <a:lnRef idx="1">
+            <a:schemeClr val="dk1"/>
+          </a:lnRef>
+          <a:fillRef idx="0">
+            <a:schemeClr val="dk1"/>
+          </a:fillRef>
+          <a:effectRef idx="0">
+            <a:schemeClr val="dk1"/>
+          </a:effectRef>
+          <a:fontRef idx="minor">
+            <a:schemeClr val="tx1"/>
+          </a:fontRef>
+        </p:style>
+      </p:cxnSp>
+      <p:cxnSp>
+        <p:nvCxnSpPr>
+          <p:cNvPr id="12" name="Straight Arrow Connector 11"/>
+          <p:cNvCxnSpPr/>
+          <p:nvPr/>
+        </p:nvCxnSpPr>
+        <p:spPr>
+          <a:xfrm>
+            <a:off x="5326246" y="2839005"/>
+            <a:ext cx="507407" cy="404553"/>
+          </a:xfrm>
+          <a:prstGeom prst="straightConnector1">
+            <a:avLst/>
+          </a:prstGeom>
+          <a:ln w="19050">
+            <a:prstDash val="solid"/>
+            <a:tailEnd type="triangle"/>
+          </a:ln>
+        </p:spPr>
+        <p:style>
+          <a:lnRef idx="1">
+            <a:schemeClr val="dk1"/>
+          </a:lnRef>
+          <a:fillRef idx="0">
+            <a:schemeClr val="dk1"/>
+          </a:fillRef>
+          <a:effectRef idx="0">
+            <a:schemeClr val="dk1"/>
+          </a:effectRef>
+          <a:fontRef idx="minor">
+            <a:schemeClr val="tx1"/>
+          </a:fontRef>
+        </p:style>
+      </p:cxnSp>
+      <p:cxnSp>
+        <p:nvCxnSpPr>
+          <p:cNvPr id="16" name="Straight Arrow Connector 15"/>
+          <p:cNvCxnSpPr/>
+          <p:nvPr/>
+        </p:nvCxnSpPr>
+        <p:spPr>
+          <a:xfrm>
+            <a:off x="3952681" y="3891942"/>
+            <a:ext cx="507407" cy="404553"/>
+          </a:xfrm>
+          <a:prstGeom prst="straightConnector1">
+            <a:avLst/>
+          </a:prstGeom>
+          <a:ln w="19050">
+            <a:prstDash val="solid"/>
+            <a:tailEnd type="triangle"/>
+          </a:ln>
+        </p:spPr>
+        <p:style>
+          <a:lnRef idx="1">
+            <a:schemeClr val="dk1"/>
+          </a:lnRef>
+          <a:fillRef idx="0">
+            <a:schemeClr val="dk1"/>
+          </a:fillRef>
+          <a:effectRef idx="0">
+            <a:schemeClr val="dk1"/>
+          </a:effectRef>
+          <a:fontRef idx="minor">
+            <a:schemeClr val="tx1"/>
+          </a:fontRef>
+        </p:style>
+      </p:cxnSp>
+      <p:sp>
+        <p:nvSpPr>
+          <p:cNvPr id="17" name="Oval 16"/>
+          <p:cNvSpPr/>
+          <p:nvPr/>
+        </p:nvSpPr>
+        <p:spPr>
+          <a:xfrm>
+            <a:off x="2899060" y="1865503"/>
+            <a:ext cx="3892571" cy="3161011"/>
+          </a:xfrm>
+          <a:prstGeom prst="ellipse">
+            <a:avLst/>
+          </a:prstGeom>
+          <a:noFill/>
+          <a:ln w="19050">
+            <a:prstDash val="sysDash"/>
+          </a:ln>
+        </p:spPr>
+        <p:style>
+          <a:lnRef idx="2">
+            <a:schemeClr val="dk1"/>
+          </a:lnRef>
+          <a:fillRef idx="1">
+            <a:schemeClr val="lt1"/>
+          </a:fillRef>
+          <a:effectRef idx="0">
+            <a:schemeClr val="dk1"/>
+          </a:effectRef>
+          <a:fontRef idx="minor">
+            <a:schemeClr val="dk1"/>
+          </a:fontRef>
+        </p:style>
+        <p:txBody>
+          <a:bodyPr rtlCol="0" anchor="ctr"/>
+          <a:lstStyle/>
+          <a:p>
+            <a:pPr algn="ctr"/>
+            <a:endParaRPr lang="en-US"/>
+          </a:p>
+        </p:txBody>
+      </p:sp>
+      <p:sp>
+        <p:nvSpPr>
+          <p:cNvPr id="19" name="TextBox 18"/>
+          <p:cNvSpPr txBox="1"/>
+          <p:nvPr/>
+        </p:nvSpPr>
+        <p:spPr>
+          <a:xfrm>
+            <a:off x="3592447" y="2085991"/>
+            <a:ext cx="2437208" cy="307777"/>
+          </a:xfrm>
+          <a:prstGeom prst="rect">
+            <a:avLst/>
+          </a:prstGeom>
+          <a:noFill/>
+        </p:spPr>
+        <p:txBody>
+          <a:bodyPr wrap="square" rtlCol="0">
+            <a:spAutoFit/>
+          </a:bodyPr>
+          <a:lstStyle/>
+          <a:p>
+            <a:r>
+              <a:rPr lang="en-US" sz="1400" dirty="0" smtClean="0">
+                <a:latin typeface="Courier New" charset="0"/>
+                <a:ea typeface="Courier New" charset="0"/>
+                <a:cs typeface="Courier New" charset="0"/>
+              </a:rPr>
+              <a:t>ground-context/ground</a:t>
+            </a:r>
+            <a:endParaRPr lang="en-US" sz="1400" dirty="0">
+              <a:latin typeface="Courier New" charset="0"/>
+              <a:ea typeface="Courier New" charset="0"/>
+              <a:cs typeface="Courier New" charset="0"/>
+            </a:endParaRPr>
+          </a:p>
+        </p:txBody>
+      </p:sp>
+      <p:sp>
+        <p:nvSpPr>
+          <p:cNvPr id="25" name="Oval 24"/>
+          <p:cNvSpPr/>
+          <p:nvPr/>
+        </p:nvSpPr>
+        <p:spPr>
+          <a:xfrm>
+            <a:off x="903919" y="2414993"/>
+            <a:ext cx="1255078" cy="652007"/>
+          </a:xfrm>
+          <a:prstGeom prst="ellipse">
+            <a:avLst/>
+          </a:prstGeom>
+          <a:ln w="19050"/>
+        </p:spPr>
+        <p:style>
+          <a:lnRef idx="2">
+            <a:schemeClr val="accent4"/>
+          </a:lnRef>
+          <a:fillRef idx="1">
+            <a:schemeClr val="lt1"/>
+          </a:fillRef>
+          <a:effectRef idx="0">
+            <a:schemeClr val="accent4"/>
+          </a:effectRef>
+          <a:fontRef idx="minor">
+            <a:schemeClr val="dk1"/>
+          </a:fontRef>
+        </p:style>
+        <p:txBody>
+          <a:bodyPr rtlCol="0" anchor="ctr"/>
+          <a:lstStyle/>
+          <a:p>
+            <a:pPr algn="ctr"/>
+            <a:r>
+              <a:rPr lang="en-US" sz="1200" dirty="0" smtClean="0">
+                <a:latin typeface="Courier New" charset="0"/>
+                <a:ea typeface="Courier New" charset="0"/>
+                <a:cs typeface="Courier New" charset="0"/>
+              </a:rPr>
+              <a:t>3e47ab</a:t>
+            </a:r>
+            <a:endParaRPr lang="en-US" sz="1200" dirty="0">
+              <a:latin typeface="Courier New" charset="0"/>
+              <a:ea typeface="Courier New" charset="0"/>
+              <a:cs typeface="Courier New" charset="0"/>
+            </a:endParaRPr>
+          </a:p>
+        </p:txBody>
+      </p:sp>
+      <p:sp>
+        <p:nvSpPr>
+          <p:cNvPr id="33" name="Oval 32"/>
+          <p:cNvSpPr/>
+          <p:nvPr/>
+        </p:nvSpPr>
+        <p:spPr>
+          <a:xfrm>
+            <a:off x="492369" y="1707441"/>
+            <a:ext cx="2149963" cy="2723882"/>
+          </a:xfrm>
+          <a:prstGeom prst="ellipse">
+            <a:avLst/>
+          </a:prstGeom>
+          <a:noFill/>
+          <a:ln w="19050">
+            <a:prstDash val="sysDash"/>
+          </a:ln>
+        </p:spPr>
+        <p:style>
+          <a:lnRef idx="2">
+            <a:schemeClr val="accent4"/>
+          </a:lnRef>
+          <a:fillRef idx="1">
+            <a:schemeClr val="lt1"/>
+          </a:fillRef>
+          <a:effectRef idx="0">
+            <a:schemeClr val="accent4"/>
+          </a:effectRef>
+          <a:fontRef idx="minor">
+            <a:schemeClr val="dk1"/>
+          </a:fontRef>
+        </p:style>
+        <p:txBody>
+          <a:bodyPr rtlCol="0" anchor="ctr"/>
+          <a:lstStyle/>
+          <a:p>
+            <a:pPr algn="ctr"/>
+            <a:endParaRPr lang="en-US"/>
+          </a:p>
+        </p:txBody>
+      </p:sp>
+      <p:sp>
+        <p:nvSpPr>
+          <p:cNvPr id="24" name="TextBox 23"/>
+          <p:cNvSpPr txBox="1"/>
+          <p:nvPr/>
+        </p:nvSpPr>
+        <p:spPr>
+          <a:xfrm>
+            <a:off x="956189" y="2070458"/>
+            <a:ext cx="947422" cy="307777"/>
+          </a:xfrm>
+          <a:prstGeom prst="rect">
+            <a:avLst/>
+          </a:prstGeom>
+          <a:ln>
+            <a:noFill/>
+          </a:ln>
+        </p:spPr>
+        <p:style>
+          <a:lnRef idx="2">
+            <a:schemeClr val="accent4"/>
+          </a:lnRef>
+          <a:fillRef idx="1">
+            <a:schemeClr val="lt1"/>
+          </a:fillRef>
+          <a:effectRef idx="0">
+            <a:schemeClr val="accent4"/>
+          </a:effectRef>
+          <a:fontRef idx="minor">
+            <a:schemeClr val="dk1"/>
+          </a:fontRef>
+        </p:style>
+        <p:txBody>
+          <a:bodyPr wrap="square" rtlCol="0">
+            <a:spAutoFit/>
+          </a:bodyPr>
+          <a:lstStyle/>
+          <a:p>
+            <a:r>
+              <a:rPr lang="en-US" sz="1400" smtClean="0">
+                <a:latin typeface="Courier New" charset="0"/>
+                <a:ea typeface="Courier New" charset="0"/>
+                <a:cs typeface="Courier New" charset="0"/>
+              </a:rPr>
+              <a:t>pom.xml</a:t>
+            </a:r>
+            <a:endParaRPr lang="en-US" sz="1400" dirty="0">
+              <a:latin typeface="Courier New" charset="0"/>
+              <a:ea typeface="Courier New" charset="0"/>
+              <a:cs typeface="Courier New" charset="0"/>
+            </a:endParaRPr>
+          </a:p>
+        </p:txBody>
+      </p:sp>
       <p:cxnSp>
         <p:nvCxnSpPr>
           <p:cNvPr id="39" name="Straight Arrow Connector 38"/>
           <p:cNvCxnSpPr>
-            <a:stCxn id="4" idx="2"/>
+            <a:stCxn id="26" idx="2"/>
             <a:endCxn id="25" idx="6"/>
           </p:cNvCxnSpPr>
           <p:nvPr/>
         </p:nvCxnSpPr>
         <p:spPr>
           <a:xfrm flipH="1">
-            <a:off x="2158997" y="2459389"/>
-            <a:ext cx="2343170" cy="281608"/>
+            <a:off x="2158997" y="2673901"/>
+            <a:ext cx="2102073" cy="67096"/>
           </a:xfrm>
           <a:prstGeom prst="straightConnector1">
             <a:avLst/>
           </a:prstGeom>
-          <a:ln>
+          <a:ln w="38100">
             <a:tailEnd type="triangle"/>
           </a:ln>
         </p:spPr>
@@ -3599,182 +3527,172 @@
           </a:fontRef>
         </p:style>
       </p:cxnSp>
-      <p:grpSp>
-        <p:nvGrpSpPr>
-          <p:cNvPr id="47" name="Group 46"/>
-          <p:cNvGrpSpPr/>
+      <p:sp>
+        <p:nvSpPr>
+          <p:cNvPr id="42" name="Oval 41"/>
+          <p:cNvSpPr/>
           <p:nvPr/>
-        </p:nvGrpSpPr>
-        <p:grpSpPr>
+        </p:nvSpPr>
+        <p:spPr>
           <a:xfrm>
-            <a:off x="7807737" y="1613571"/>
-            <a:ext cx="2556933" cy="1691633"/>
-            <a:chOff x="1643917" y="2943554"/>
-            <a:chExt cx="2556933" cy="1691633"/>
-          </a:xfrm>
-        </p:grpSpPr>
-        <p:sp>
-          <p:nvSpPr>
-            <p:cNvPr id="42" name="Oval 41"/>
-            <p:cNvSpPr/>
-            <p:nvPr/>
-          </p:nvSpPr>
-          <p:spPr>
-            <a:xfrm>
-              <a:off x="2127254" y="3651106"/>
-              <a:ext cx="1590261" cy="652007"/>
-            </a:xfrm>
-            <a:prstGeom prst="ellipse">
-              <a:avLst/>
-            </a:prstGeom>
-          </p:spPr>
-          <p:style>
-            <a:lnRef idx="2">
-              <a:schemeClr val="accent6"/>
-            </a:lnRef>
-            <a:fillRef idx="1">
-              <a:schemeClr val="lt1"/>
-            </a:fillRef>
-            <a:effectRef idx="0">
-              <a:schemeClr val="accent6"/>
-            </a:effectRef>
-            <a:fontRef idx="minor">
-              <a:schemeClr val="dk1"/>
-            </a:fontRef>
-          </p:style>
-          <p:txBody>
-            <a:bodyPr rtlCol="0" anchor="ctr"/>
-            <a:lstStyle/>
-            <a:p>
-              <a:pPr algn="ctr"/>
-              <a:r>
-                <a:rPr lang="en-US" dirty="0" smtClean="0">
-                  <a:latin typeface="Courier New" charset="0"/>
-                  <a:ea typeface="Courier New" charset="0"/>
-                  <a:cs typeface="Courier New" charset="0"/>
-                </a:rPr>
-                <a:t>user-v1</a:t>
-              </a:r>
-              <a:endParaRPr lang="en-US" dirty="0">
+            <a:off x="7410832" y="2405163"/>
+            <a:ext cx="1173433" cy="652007"/>
+          </a:xfrm>
+          <a:prstGeom prst="ellipse">
+            <a:avLst/>
+          </a:prstGeom>
+          <a:ln w="19050"/>
+        </p:spPr>
+        <p:style>
+          <a:lnRef idx="2">
+            <a:schemeClr val="accent6"/>
+          </a:lnRef>
+          <a:fillRef idx="1">
+            <a:schemeClr val="lt1"/>
+          </a:fillRef>
+          <a:effectRef idx="0">
+            <a:schemeClr val="accent6"/>
+          </a:effectRef>
+          <a:fontRef idx="minor">
+            <a:schemeClr val="dk1"/>
+          </a:fontRef>
+        </p:style>
+        <p:txBody>
+          <a:bodyPr rtlCol="0" anchor="ctr"/>
+          <a:lstStyle/>
+          <a:p>
+            <a:pPr algn="ctr"/>
+            <a:r>
+              <a:rPr lang="en-US" sz="1200" dirty="0" smtClean="0">
                 <a:latin typeface="Courier New" charset="0"/>
                 <a:ea typeface="Courier New" charset="0"/>
                 <a:cs typeface="Courier New" charset="0"/>
-              </a:endParaRPr>
-            </a:p>
-          </p:txBody>
-        </p:sp>
-        <p:sp>
-          <p:nvSpPr>
-            <p:cNvPr id="43" name="Oval 42"/>
-            <p:cNvSpPr/>
-            <p:nvPr/>
-          </p:nvSpPr>
-          <p:spPr>
-            <a:xfrm>
-              <a:off x="1643917" y="2943554"/>
-              <a:ext cx="2556933" cy="1691633"/>
-            </a:xfrm>
-            <a:prstGeom prst="ellipse">
-              <a:avLst/>
-            </a:prstGeom>
+              </a:rPr>
+              <a:t>user-v1</a:t>
+            </a:r>
+            <a:endParaRPr lang="en-US" sz="1200" dirty="0">
+              <a:latin typeface="Courier New" charset="0"/>
+              <a:ea typeface="Courier New" charset="0"/>
+              <a:cs typeface="Courier New" charset="0"/>
+            </a:endParaRPr>
+          </a:p>
+        </p:txBody>
+      </p:sp>
+      <p:sp>
+        <p:nvSpPr>
+          <p:cNvPr id="43" name="Oval 42"/>
+          <p:cNvSpPr/>
+          <p:nvPr/>
+        </p:nvSpPr>
+        <p:spPr>
+          <a:xfrm>
+            <a:off x="7094831" y="1754376"/>
+            <a:ext cx="1947271" cy="1691633"/>
+          </a:xfrm>
+          <a:prstGeom prst="ellipse">
+            <a:avLst/>
+          </a:prstGeom>
+          <a:noFill/>
+          <a:ln w="19050">
+            <a:prstDash val="sysDash"/>
+          </a:ln>
+        </p:spPr>
+        <p:style>
+          <a:lnRef idx="2">
+            <a:schemeClr val="accent6"/>
+          </a:lnRef>
+          <a:fillRef idx="1">
+            <a:schemeClr val="lt1"/>
+          </a:fillRef>
+          <a:effectRef idx="0">
+            <a:schemeClr val="accent6"/>
+          </a:effectRef>
+          <a:fontRef idx="minor">
+            <a:schemeClr val="dk1"/>
+          </a:fontRef>
+        </p:style>
+        <p:txBody>
+          <a:bodyPr rtlCol="0" anchor="ctr"/>
+          <a:lstStyle/>
+          <a:p>
+            <a:pPr algn="ctr"/>
+            <a:endParaRPr lang="en-US"/>
+          </a:p>
+        </p:txBody>
+      </p:sp>
+      <p:sp>
+        <p:nvSpPr>
+          <p:cNvPr id="44" name="TextBox 43"/>
+          <p:cNvSpPr txBox="1"/>
+          <p:nvPr/>
+        </p:nvSpPr>
+        <p:spPr>
+          <a:xfrm>
+            <a:off x="7391654" y="2016324"/>
+            <a:ext cx="1353624" cy="307777"/>
+          </a:xfrm>
+          <a:prstGeom prst="rect">
+            <a:avLst/>
+          </a:prstGeom>
+          <a:ln>
             <a:noFill/>
-          </p:spPr>
-          <p:style>
-            <a:lnRef idx="2">
-              <a:schemeClr val="accent6"/>
-            </a:lnRef>
-            <a:fillRef idx="1">
-              <a:schemeClr val="lt1"/>
-            </a:fillRef>
-            <a:effectRef idx="0">
-              <a:schemeClr val="accent6"/>
-            </a:effectRef>
-            <a:fontRef idx="minor">
-              <a:schemeClr val="dk1"/>
-            </a:fontRef>
-          </p:style>
-          <p:txBody>
-            <a:bodyPr rtlCol="0" anchor="ctr"/>
-            <a:lstStyle/>
-            <a:p>
-              <a:pPr algn="ctr"/>
-              <a:endParaRPr lang="en-US"/>
-            </a:p>
-          </p:txBody>
-        </p:sp>
-        <p:sp>
-          <p:nvSpPr>
-            <p:cNvPr id="44" name="TextBox 43"/>
-            <p:cNvSpPr txBox="1"/>
-            <p:nvPr/>
-          </p:nvSpPr>
-          <p:spPr>
-            <a:xfrm>
-              <a:off x="2318128" y="3319032"/>
-              <a:ext cx="1208513" cy="276999"/>
-            </a:xfrm>
-            <a:prstGeom prst="rect">
-              <a:avLst/>
-            </a:prstGeom>
-            <a:ln>
-              <a:noFill/>
-            </a:ln>
-          </p:spPr>
-          <p:style>
-            <a:lnRef idx="2">
-              <a:schemeClr val="accent6"/>
-            </a:lnRef>
-            <a:fillRef idx="1">
-              <a:schemeClr val="lt1"/>
-            </a:fillRef>
-            <a:effectRef idx="0">
-              <a:schemeClr val="accent6"/>
-            </a:effectRef>
-            <a:fontRef idx="minor">
-              <a:schemeClr val="dk1"/>
-            </a:fontRef>
-          </p:style>
-          <p:txBody>
-            <a:bodyPr wrap="square" rtlCol="0">
-              <a:spAutoFit/>
-            </a:bodyPr>
-            <a:lstStyle/>
-            <a:p>
-              <a:r>
-                <a:rPr lang="en-US" sz="1200" smtClean="0">
-                  <a:latin typeface="Courier New" charset="0"/>
-                  <a:ea typeface="Courier New" charset="0"/>
-                  <a:cs typeface="Courier New" charset="0"/>
-                </a:rPr>
-                <a:t>ground-user</a:t>
-              </a:r>
-              <a:endParaRPr lang="en-US" sz="1200" dirty="0">
+          </a:ln>
+        </p:spPr>
+        <p:style>
+          <a:lnRef idx="2">
+            <a:schemeClr val="accent6"/>
+          </a:lnRef>
+          <a:fillRef idx="1">
+            <a:schemeClr val="lt1"/>
+          </a:fillRef>
+          <a:effectRef idx="0">
+            <a:schemeClr val="accent6"/>
+          </a:effectRef>
+          <a:fontRef idx="minor">
+            <a:schemeClr val="dk1"/>
+          </a:fontRef>
+        </p:style>
+        <p:txBody>
+          <a:bodyPr wrap="square" rtlCol="0">
+            <a:spAutoFit/>
+          </a:bodyPr>
+          <a:lstStyle/>
+          <a:p>
+            <a:r>
+              <a:rPr lang="en-US" sz="1400" smtClean="0">
                 <a:latin typeface="Courier New" charset="0"/>
                 <a:ea typeface="Courier New" charset="0"/>
                 <a:cs typeface="Courier New" charset="0"/>
-              </a:endParaRPr>
-            </a:p>
-          </p:txBody>
-        </p:sp>
-      </p:grpSp>
+              </a:rPr>
+              <a:t>ground-user</a:t>
+            </a:r>
+            <a:endParaRPr lang="en-US" sz="1400" dirty="0">
+              <a:latin typeface="Courier New" charset="0"/>
+              <a:ea typeface="Courier New" charset="0"/>
+              <a:cs typeface="Courier New" charset="0"/>
+            </a:endParaRPr>
+          </a:p>
+        </p:txBody>
+      </p:sp>
       <p:cxnSp>
         <p:nvCxnSpPr>
           <p:cNvPr id="46" name="Straight Arrow Connector 45"/>
           <p:cNvCxnSpPr>
             <a:stCxn id="42" idx="2"/>
-            <a:endCxn id="4" idx="6"/>
+            <a:endCxn id="26" idx="6"/>
           </p:cNvCxnSpPr>
           <p:nvPr/>
         </p:nvCxnSpPr>
         <p:spPr>
           <a:xfrm flipH="1" flipV="1">
-            <a:off x="6092428" y="2459389"/>
-            <a:ext cx="2198646" cy="187738"/>
+            <a:off x="5361033" y="2673901"/>
+            <a:ext cx="2049799" cy="57266"/>
           </a:xfrm>
           <a:prstGeom prst="straightConnector1">
             <a:avLst/>
           </a:prstGeom>
-          <a:ln>
+          <a:ln w="38100">
+            <a:prstDash val="solid"/>
             <a:tailEnd type="triangle"/>
           </a:ln>
         </p:spPr>
@@ -3787,6 +3705,181 @@
           </a:fillRef>
           <a:effectRef idx="2">
             <a:schemeClr val="accent2"/>
+          </a:effectRef>
+          <a:fontRef idx="minor">
+            <a:schemeClr val="tx1"/>
+          </a:fontRef>
+        </p:style>
+      </p:cxnSp>
+      <p:sp>
+        <p:nvSpPr>
+          <p:cNvPr id="26" name="Oval 25"/>
+          <p:cNvSpPr/>
+          <p:nvPr/>
+        </p:nvSpPr>
+        <p:spPr>
+          <a:xfrm>
+            <a:off x="4261070" y="2347897"/>
+            <a:ext cx="1099963" cy="652007"/>
+          </a:xfrm>
+          <a:prstGeom prst="ellipse">
+            <a:avLst/>
+          </a:prstGeom>
+          <a:ln w="19050">
+            <a:prstDash val="solid"/>
+          </a:ln>
+        </p:spPr>
+        <p:style>
+          <a:lnRef idx="2">
+            <a:schemeClr val="dk1"/>
+          </a:lnRef>
+          <a:fillRef idx="1">
+            <a:schemeClr val="lt1"/>
+          </a:fillRef>
+          <a:effectRef idx="0">
+            <a:schemeClr val="dk1"/>
+          </a:effectRef>
+          <a:fontRef idx="minor">
+            <a:schemeClr val="dk1"/>
+          </a:fontRef>
+        </p:style>
+        <p:txBody>
+          <a:bodyPr rtlCol="0" anchor="ctr"/>
+          <a:lstStyle/>
+          <a:p>
+            <a:pPr algn="ctr"/>
+            <a:r>
+              <a:rPr lang="en-US" sz="1200" dirty="0" smtClean="0">
+                <a:latin typeface="Courier New" charset="0"/>
+                <a:ea typeface="Courier New" charset="0"/>
+                <a:cs typeface="Courier New" charset="0"/>
+              </a:rPr>
+              <a:t>3e47ab</a:t>
+            </a:r>
+            <a:endParaRPr lang="en-US" sz="1200" dirty="0">
+              <a:latin typeface="Courier New" charset="0"/>
+              <a:ea typeface="Courier New" charset="0"/>
+              <a:cs typeface="Courier New" charset="0"/>
+            </a:endParaRPr>
+          </a:p>
+        </p:txBody>
+      </p:sp>
+      <p:sp>
+        <p:nvSpPr>
+          <p:cNvPr id="31" name="Oval 30"/>
+          <p:cNvSpPr/>
+          <p:nvPr/>
+        </p:nvSpPr>
+        <p:spPr>
+          <a:xfrm>
+            <a:off x="923097" y="3287675"/>
+            <a:ext cx="1255078" cy="652007"/>
+          </a:xfrm>
+          <a:prstGeom prst="ellipse">
+            <a:avLst/>
+          </a:prstGeom>
+          <a:ln w="19050"/>
+        </p:spPr>
+        <p:style>
+          <a:lnRef idx="2">
+            <a:schemeClr val="accent4"/>
+          </a:lnRef>
+          <a:fillRef idx="1">
+            <a:schemeClr val="lt1"/>
+          </a:fillRef>
+          <a:effectRef idx="0">
+            <a:schemeClr val="accent4"/>
+          </a:effectRef>
+          <a:fontRef idx="minor">
+            <a:schemeClr val="dk1"/>
+          </a:fontRef>
+        </p:style>
+        <p:txBody>
+          <a:bodyPr rtlCol="0" anchor="ctr"/>
+          <a:lstStyle/>
+          <a:p>
+            <a:pPr algn="ctr"/>
+            <a:r>
+              <a:rPr lang="en-US" sz="1200" dirty="0" smtClean="0">
+                <a:latin typeface="Courier New" charset="0"/>
+                <a:ea typeface="Courier New" charset="0"/>
+                <a:cs typeface="Courier New" charset="0"/>
+              </a:rPr>
+              <a:t>9wxf23</a:t>
+            </a:r>
+            <a:endParaRPr lang="en-US" sz="1200" dirty="0">
+              <a:latin typeface="Courier New" charset="0"/>
+              <a:ea typeface="Courier New" charset="0"/>
+              <a:cs typeface="Courier New" charset="0"/>
+            </a:endParaRPr>
+          </a:p>
+        </p:txBody>
+      </p:sp>
+      <p:cxnSp>
+        <p:nvCxnSpPr>
+          <p:cNvPr id="32" name="Straight Arrow Connector 31"/>
+          <p:cNvCxnSpPr>
+            <a:endCxn id="31" idx="0"/>
+          </p:cNvCxnSpPr>
+          <p:nvPr/>
+        </p:nvCxnSpPr>
+        <p:spPr>
+          <a:xfrm flipH="1">
+            <a:off x="1550636" y="3075800"/>
+            <a:ext cx="23157" cy="211875"/>
+          </a:xfrm>
+          <a:prstGeom prst="straightConnector1">
+            <a:avLst/>
+          </a:prstGeom>
+          <a:ln w="19050">
+            <a:prstDash val="solid"/>
+            <a:tailEnd type="triangle"/>
+          </a:ln>
+        </p:spPr>
+        <p:style>
+          <a:lnRef idx="1">
+            <a:schemeClr val="dk1"/>
+          </a:lnRef>
+          <a:fillRef idx="0">
+            <a:schemeClr val="dk1"/>
+          </a:fillRef>
+          <a:effectRef idx="0">
+            <a:schemeClr val="dk1"/>
+          </a:effectRef>
+          <a:fontRef idx="minor">
+            <a:schemeClr val="tx1"/>
+          </a:fontRef>
+        </p:style>
+      </p:cxnSp>
+      <p:cxnSp>
+        <p:nvCxnSpPr>
+          <p:cNvPr id="34" name="Straight Arrow Connector 33"/>
+          <p:cNvCxnSpPr>
+            <a:stCxn id="8" idx="2"/>
+          </p:cNvCxnSpPr>
+          <p:nvPr/>
+        </p:nvCxnSpPr>
+        <p:spPr>
+          <a:xfrm flipH="1" flipV="1">
+            <a:off x="2170414" y="3599557"/>
+            <a:ext cx="2115019" cy="943878"/>
+          </a:xfrm>
+          <a:prstGeom prst="straightConnector1">
+            <a:avLst/>
+          </a:prstGeom>
+          <a:ln w="38100">
+            <a:tailEnd type="triangle"/>
+          </a:ln>
+        </p:spPr>
+        <p:style>
+          <a:lnRef idx="3">
+            <a:schemeClr val="accent1"/>
+          </a:lnRef>
+          <a:fillRef idx="0">
+            <a:schemeClr val="accent1"/>
+          </a:fillRef>
+          <a:effectRef idx="2">
+            <a:schemeClr val="accent1"/>
           </a:effectRef>
           <a:fontRef idx="minor">
             <a:schemeClr val="tx1"/>

--- a/grit image.pptx
+++ b/grit image.pptx
@@ -243,7 +243,7 @@
           <a:p>
             <a:fld id="{B362003B-328B-AB4C-BD21-F1F7EB2DF6FF}" type="datetimeFigureOut">
               <a:rPr lang="en-US" smtClean="0"/>
-              <a:t>12/5/16</a:t>
+              <a:t>12/6/16</a:t>
             </a:fld>
             <a:endParaRPr lang="en-US"/>
           </a:p>
@@ -413,7 +413,7 @@
           <a:p>
             <a:fld id="{B362003B-328B-AB4C-BD21-F1F7EB2DF6FF}" type="datetimeFigureOut">
               <a:rPr lang="en-US" smtClean="0"/>
-              <a:t>12/5/16</a:t>
+              <a:t>12/6/16</a:t>
             </a:fld>
             <a:endParaRPr lang="en-US"/>
           </a:p>
@@ -593,7 +593,7 @@
           <a:p>
             <a:fld id="{B362003B-328B-AB4C-BD21-F1F7EB2DF6FF}" type="datetimeFigureOut">
               <a:rPr lang="en-US" smtClean="0"/>
-              <a:t>12/5/16</a:t>
+              <a:t>12/6/16</a:t>
             </a:fld>
             <a:endParaRPr lang="en-US"/>
           </a:p>
@@ -763,7 +763,7 @@
           <a:p>
             <a:fld id="{B362003B-328B-AB4C-BD21-F1F7EB2DF6FF}" type="datetimeFigureOut">
               <a:rPr lang="en-US" smtClean="0"/>
-              <a:t>12/5/16</a:t>
+              <a:t>12/6/16</a:t>
             </a:fld>
             <a:endParaRPr lang="en-US"/>
           </a:p>
@@ -1009,7 +1009,7 @@
           <a:p>
             <a:fld id="{B362003B-328B-AB4C-BD21-F1F7EB2DF6FF}" type="datetimeFigureOut">
               <a:rPr lang="en-US" smtClean="0"/>
-              <a:t>12/5/16</a:t>
+              <a:t>12/6/16</a:t>
             </a:fld>
             <a:endParaRPr lang="en-US"/>
           </a:p>
@@ -1241,7 +1241,7 @@
           <a:p>
             <a:fld id="{B362003B-328B-AB4C-BD21-F1F7EB2DF6FF}" type="datetimeFigureOut">
               <a:rPr lang="en-US" smtClean="0"/>
-              <a:t>12/5/16</a:t>
+              <a:t>12/6/16</a:t>
             </a:fld>
             <a:endParaRPr lang="en-US"/>
           </a:p>
@@ -1608,7 +1608,7 @@
           <a:p>
             <a:fld id="{B362003B-328B-AB4C-BD21-F1F7EB2DF6FF}" type="datetimeFigureOut">
               <a:rPr lang="en-US" smtClean="0"/>
-              <a:t>12/5/16</a:t>
+              <a:t>12/6/16</a:t>
             </a:fld>
             <a:endParaRPr lang="en-US"/>
           </a:p>
@@ -1726,7 +1726,7 @@
           <a:p>
             <a:fld id="{B362003B-328B-AB4C-BD21-F1F7EB2DF6FF}" type="datetimeFigureOut">
               <a:rPr lang="en-US" smtClean="0"/>
-              <a:t>12/5/16</a:t>
+              <a:t>12/6/16</a:t>
             </a:fld>
             <a:endParaRPr lang="en-US"/>
           </a:p>
@@ -1821,7 +1821,7 @@
           <a:p>
             <a:fld id="{B362003B-328B-AB4C-BD21-F1F7EB2DF6FF}" type="datetimeFigureOut">
               <a:rPr lang="en-US" smtClean="0"/>
-              <a:t>12/5/16</a:t>
+              <a:t>12/6/16</a:t>
             </a:fld>
             <a:endParaRPr lang="en-US"/>
           </a:p>
@@ -2098,7 +2098,7 @@
           <a:p>
             <a:fld id="{B362003B-328B-AB4C-BD21-F1F7EB2DF6FF}" type="datetimeFigureOut">
               <a:rPr lang="en-US" smtClean="0"/>
-              <a:t>12/5/16</a:t>
+              <a:t>12/6/16</a:t>
             </a:fld>
             <a:endParaRPr lang="en-US"/>
           </a:p>
@@ -2351,7 +2351,7 @@
           <a:p>
             <a:fld id="{B362003B-328B-AB4C-BD21-F1F7EB2DF6FF}" type="datetimeFigureOut">
               <a:rPr lang="en-US" smtClean="0"/>
-              <a:t>12/5/16</a:t>
+              <a:t>12/6/16</a:t>
             </a:fld>
             <a:endParaRPr lang="en-US"/>
           </a:p>
@@ -2564,7 +2564,7 @@
           <a:p>
             <a:fld id="{B362003B-328B-AB4C-BD21-F1F7EB2DF6FF}" type="datetimeFigureOut">
               <a:rPr lang="en-US" smtClean="0"/>
-              <a:t>12/5/16</a:t>
+              <a:t>12/6/16</a:t>
             </a:fld>
             <a:endParaRPr lang="en-US"/>
           </a:p>
@@ -2971,119 +2971,13 @@
       </p:grpSpPr>
       <p:sp>
         <p:nvSpPr>
-          <p:cNvPr id="6" name="Oval 5"/>
-          <p:cNvSpPr/>
-          <p:nvPr/>
-        </p:nvSpPr>
-        <p:spPr>
-          <a:xfrm>
-            <a:off x="5212927" y="3243558"/>
-            <a:ext cx="1114138" cy="652007"/>
-          </a:xfrm>
-          <a:prstGeom prst="ellipse">
-            <a:avLst/>
-          </a:prstGeom>
-          <a:ln w="19050">
-            <a:prstDash val="solid"/>
-          </a:ln>
-        </p:spPr>
-        <p:style>
-          <a:lnRef idx="2">
-            <a:schemeClr val="dk1"/>
-          </a:lnRef>
-          <a:fillRef idx="1">
-            <a:schemeClr val="lt1"/>
-          </a:fillRef>
-          <a:effectRef idx="0">
-            <a:schemeClr val="dk1"/>
-          </a:effectRef>
-          <a:fontRef idx="minor">
-            <a:schemeClr val="dk1"/>
-          </a:fontRef>
-        </p:style>
-        <p:txBody>
-          <a:bodyPr rtlCol="0" anchor="ctr"/>
-          <a:lstStyle/>
-          <a:p>
-            <a:pPr algn="ctr"/>
-            <a:r>
-              <a:rPr lang="en-US" sz="1200" dirty="0" smtClean="0">
-                <a:latin typeface="Courier New" charset="0"/>
-                <a:ea typeface="Courier New" charset="0"/>
-                <a:cs typeface="Courier New" charset="0"/>
-              </a:rPr>
-              <a:t>j345l2</a:t>
-            </a:r>
-            <a:endParaRPr lang="en-US" sz="1200" dirty="0">
-              <a:latin typeface="Courier New" charset="0"/>
-              <a:ea typeface="Courier New" charset="0"/>
-              <a:cs typeface="Courier New" charset="0"/>
-            </a:endParaRPr>
-          </a:p>
-        </p:txBody>
-      </p:sp>
-      <p:sp>
-        <p:nvSpPr>
-          <p:cNvPr id="7" name="Oval 6"/>
-          <p:cNvSpPr/>
-          <p:nvPr/>
-        </p:nvSpPr>
-        <p:spPr>
-          <a:xfrm>
-            <a:off x="3248415" y="3287676"/>
-            <a:ext cx="1079110" cy="652007"/>
-          </a:xfrm>
-          <a:prstGeom prst="ellipse">
-            <a:avLst/>
-          </a:prstGeom>
-          <a:ln w="19050">
-            <a:prstDash val="solid"/>
-          </a:ln>
-        </p:spPr>
-        <p:style>
-          <a:lnRef idx="2">
-            <a:schemeClr val="dk1"/>
-          </a:lnRef>
-          <a:fillRef idx="1">
-            <a:schemeClr val="lt1"/>
-          </a:fillRef>
-          <a:effectRef idx="0">
-            <a:schemeClr val="dk1"/>
-          </a:effectRef>
-          <a:fontRef idx="minor">
-            <a:schemeClr val="dk1"/>
-          </a:fontRef>
-        </p:style>
-        <p:txBody>
-          <a:bodyPr rtlCol="0" anchor="ctr"/>
-          <a:lstStyle/>
-          <a:p>
-            <a:pPr algn="ctr"/>
-            <a:r>
-              <a:rPr lang="en-US" sz="1200" dirty="0" smtClean="0">
-                <a:latin typeface="Courier New" charset="0"/>
-                <a:ea typeface="Courier New" charset="0"/>
-                <a:cs typeface="Courier New" charset="0"/>
-              </a:rPr>
-              <a:t>a34593</a:t>
-            </a:r>
-            <a:endParaRPr lang="en-US" sz="1200" dirty="0">
-              <a:latin typeface="Courier New" charset="0"/>
-              <a:ea typeface="Courier New" charset="0"/>
-              <a:cs typeface="Courier New" charset="0"/>
-            </a:endParaRPr>
-          </a:p>
-        </p:txBody>
-      </p:sp>
-      <p:sp>
-        <p:nvSpPr>
           <p:cNvPr id="8" name="Oval 7"/>
           <p:cNvSpPr/>
           <p:nvPr/>
         </p:nvSpPr>
         <p:spPr>
           <a:xfrm>
-            <a:off x="4285433" y="4217431"/>
+            <a:off x="4515512" y="3285260"/>
             <a:ext cx="1161303" cy="652007"/>
           </a:xfrm>
           <a:prstGeom prst="ellipse">
@@ -3128,142 +3022,6 @@
           </a:p>
         </p:txBody>
       </p:sp>
-      <p:cxnSp>
-        <p:nvCxnSpPr>
-          <p:cNvPr id="10" name="Straight Arrow Connector 9"/>
-          <p:cNvCxnSpPr/>
-          <p:nvPr/>
-        </p:nvCxnSpPr>
-        <p:spPr>
-          <a:xfrm flipH="1">
-            <a:off x="3856475" y="2883123"/>
-            <a:ext cx="498015" cy="404553"/>
-          </a:xfrm>
-          <a:prstGeom prst="straightConnector1">
-            <a:avLst/>
-          </a:prstGeom>
-          <a:ln w="19050">
-            <a:prstDash val="solid"/>
-            <a:tailEnd type="triangle"/>
-          </a:ln>
-        </p:spPr>
-        <p:style>
-          <a:lnRef idx="1">
-            <a:schemeClr val="dk1"/>
-          </a:lnRef>
-          <a:fillRef idx="0">
-            <a:schemeClr val="dk1"/>
-          </a:fillRef>
-          <a:effectRef idx="0">
-            <a:schemeClr val="dk1"/>
-          </a:effectRef>
-          <a:fontRef idx="minor">
-            <a:schemeClr val="tx1"/>
-          </a:fontRef>
-        </p:style>
-      </p:cxnSp>
-      <p:cxnSp>
-        <p:nvCxnSpPr>
-          <p:cNvPr id="11" name="Straight Arrow Connector 10"/>
-          <p:cNvCxnSpPr/>
-          <p:nvPr/>
-        </p:nvCxnSpPr>
-        <p:spPr>
-          <a:xfrm flipH="1">
-            <a:off x="5303399" y="3895565"/>
-            <a:ext cx="530254" cy="404553"/>
-          </a:xfrm>
-          <a:prstGeom prst="straightConnector1">
-            <a:avLst/>
-          </a:prstGeom>
-          <a:ln w="19050">
-            <a:prstDash val="solid"/>
-            <a:tailEnd type="triangle"/>
-          </a:ln>
-        </p:spPr>
-        <p:style>
-          <a:lnRef idx="1">
-            <a:schemeClr val="dk1"/>
-          </a:lnRef>
-          <a:fillRef idx="0">
-            <a:schemeClr val="dk1"/>
-          </a:fillRef>
-          <a:effectRef idx="0">
-            <a:schemeClr val="dk1"/>
-          </a:effectRef>
-          <a:fontRef idx="minor">
-            <a:schemeClr val="tx1"/>
-          </a:fontRef>
-        </p:style>
-      </p:cxnSp>
-      <p:cxnSp>
-        <p:nvCxnSpPr>
-          <p:cNvPr id="12" name="Straight Arrow Connector 11"/>
-          <p:cNvCxnSpPr/>
-          <p:nvPr/>
-        </p:nvCxnSpPr>
-        <p:spPr>
-          <a:xfrm>
-            <a:off x="5326246" y="2839005"/>
-            <a:ext cx="507407" cy="404553"/>
-          </a:xfrm>
-          <a:prstGeom prst="straightConnector1">
-            <a:avLst/>
-          </a:prstGeom>
-          <a:ln w="19050">
-            <a:prstDash val="solid"/>
-            <a:tailEnd type="triangle"/>
-          </a:ln>
-        </p:spPr>
-        <p:style>
-          <a:lnRef idx="1">
-            <a:schemeClr val="dk1"/>
-          </a:lnRef>
-          <a:fillRef idx="0">
-            <a:schemeClr val="dk1"/>
-          </a:fillRef>
-          <a:effectRef idx="0">
-            <a:schemeClr val="dk1"/>
-          </a:effectRef>
-          <a:fontRef idx="minor">
-            <a:schemeClr val="tx1"/>
-          </a:fontRef>
-        </p:style>
-      </p:cxnSp>
-      <p:cxnSp>
-        <p:nvCxnSpPr>
-          <p:cNvPr id="16" name="Straight Arrow Connector 15"/>
-          <p:cNvCxnSpPr/>
-          <p:nvPr/>
-        </p:nvCxnSpPr>
-        <p:spPr>
-          <a:xfrm>
-            <a:off x="3952681" y="3891942"/>
-            <a:ext cx="507407" cy="404553"/>
-          </a:xfrm>
-          <a:prstGeom prst="straightConnector1">
-            <a:avLst/>
-          </a:prstGeom>
-          <a:ln w="19050">
-            <a:prstDash val="solid"/>
-            <a:tailEnd type="triangle"/>
-          </a:ln>
-        </p:spPr>
-        <p:style>
-          <a:lnRef idx="1">
-            <a:schemeClr val="dk1"/>
-          </a:lnRef>
-          <a:fillRef idx="0">
-            <a:schemeClr val="dk1"/>
-          </a:fillRef>
-          <a:effectRef idx="0">
-            <a:schemeClr val="dk1"/>
-          </a:effectRef>
-          <a:fontRef idx="minor">
-            <a:schemeClr val="tx1"/>
-          </a:fontRef>
-        </p:style>
-      </p:cxnSp>
       <p:sp>
         <p:nvSpPr>
           <p:cNvPr id="17" name="Oval 16"/>
@@ -3272,8 +3030,8 @@
         </p:nvSpPr>
         <p:spPr>
           <a:xfrm>
-            <a:off x="2899060" y="1865503"/>
-            <a:ext cx="3892571" cy="3161011"/>
+            <a:off x="3590939" y="1759937"/>
+            <a:ext cx="3026878" cy="2573525"/>
           </a:xfrm>
           <a:prstGeom prst="ellipse">
             <a:avLst/>
@@ -3314,7 +3072,7 @@
         </p:nvSpPr>
         <p:spPr>
           <a:xfrm>
-            <a:off x="3592447" y="2085991"/>
+            <a:off x="3885774" y="2146956"/>
             <a:ext cx="2437208" cy="307777"/>
           </a:xfrm>
           <a:prstGeom prst="rect">
@@ -3352,13 +3110,17 @@
         </p:nvSpPr>
         <p:spPr>
           <a:xfrm>
-            <a:off x="903919" y="2414993"/>
+            <a:off x="1688289" y="2414994"/>
             <a:ext cx="1255078" cy="652007"/>
           </a:xfrm>
           <a:prstGeom prst="ellipse">
             <a:avLst/>
           </a:prstGeom>
-          <a:ln w="19050"/>
+          <a:ln w="19050">
+            <a:solidFill>
+              <a:srgbClr val="FF0000"/>
+            </a:solidFill>
+          </a:ln>
         </p:spPr>
         <p:style>
           <a:lnRef idx="2">
@@ -3403,14 +3165,17 @@
         </p:nvSpPr>
         <p:spPr>
           <a:xfrm>
-            <a:off x="492369" y="1707441"/>
-            <a:ext cx="2149963" cy="2723882"/>
+            <a:off x="1238723" y="1780238"/>
+            <a:ext cx="2156339" cy="2573525"/>
           </a:xfrm>
           <a:prstGeom prst="ellipse">
             <a:avLst/>
           </a:prstGeom>
           <a:noFill/>
           <a:ln w="19050">
+            <a:solidFill>
+              <a:srgbClr val="FF0000"/>
+            </a:solidFill>
             <a:prstDash val="sysDash"/>
           </a:ln>
         </p:spPr>
@@ -3445,7 +3210,7 @@
         </p:nvSpPr>
         <p:spPr>
           <a:xfrm>
-            <a:off x="956189" y="2070458"/>
+            <a:off x="1843181" y="2064136"/>
             <a:ext cx="947422" cy="307777"/>
           </a:xfrm>
           <a:prstGeom prst="rect">
@@ -3502,8 +3267,8 @@
         </p:nvCxnSpPr>
         <p:spPr>
           <a:xfrm flipH="1">
-            <a:off x="2158997" y="2673901"/>
-            <a:ext cx="2102073" cy="67096"/>
+            <a:off x="2943367" y="2733769"/>
+            <a:ext cx="1572144" cy="7229"/>
           </a:xfrm>
           <a:prstGeom prst="straightConnector1">
             <a:avLst/>
@@ -3535,7 +3300,7 @@
         </p:nvSpPr>
         <p:spPr>
           <a:xfrm>
-            <a:off x="7410832" y="2405163"/>
+            <a:off x="7163696" y="2394692"/>
             <a:ext cx="1173433" cy="652007"/>
           </a:xfrm>
           <a:prstGeom prst="ellipse">
@@ -3586,7 +3351,7 @@
         </p:nvSpPr>
         <p:spPr>
           <a:xfrm>
-            <a:off x="7094831" y="1754376"/>
+            <a:off x="6776778" y="1887951"/>
             <a:ext cx="1947271" cy="1691633"/>
           </a:xfrm>
           <a:prstGeom prst="ellipse">
@@ -3628,12 +3393,13 @@
         </p:nvSpPr>
         <p:spPr>
           <a:xfrm>
-            <a:off x="7391654" y="2016324"/>
+            <a:off x="7073601" y="2137260"/>
             <a:ext cx="1353624" cy="307777"/>
           </a:xfrm>
           <a:prstGeom prst="rect">
             <a:avLst/>
           </a:prstGeom>
+          <a:noFill/>
           <a:ln>
             <a:noFill/>
           </a:ln>
@@ -3659,7 +3425,7 @@
           <a:lstStyle/>
           <a:p>
             <a:r>
-              <a:rPr lang="en-US" sz="1400" smtClean="0">
+              <a:rPr lang="en-US" sz="1400" dirty="0" smtClean="0">
                 <a:latin typeface="Courier New" charset="0"/>
                 <a:ea typeface="Courier New" charset="0"/>
                 <a:cs typeface="Courier New" charset="0"/>
@@ -3684,14 +3450,17 @@
           <p:nvPr/>
         </p:nvCxnSpPr>
         <p:spPr>
-          <a:xfrm flipH="1" flipV="1">
-            <a:off x="5361033" y="2673901"/>
-            <a:ext cx="2049799" cy="57266"/>
+          <a:xfrm flipH="1">
+            <a:off x="5615474" y="2720696"/>
+            <a:ext cx="1548222" cy="13073"/>
           </a:xfrm>
           <a:prstGeom prst="straightConnector1">
             <a:avLst/>
           </a:prstGeom>
           <a:ln w="38100">
+            <a:solidFill>
+              <a:srgbClr val="7030A0"/>
+            </a:solidFill>
             <a:prstDash val="solid"/>
             <a:tailEnd type="triangle"/>
           </a:ln>
@@ -3719,7 +3488,7 @@
         </p:nvSpPr>
         <p:spPr>
           <a:xfrm>
-            <a:off x="4261070" y="2347897"/>
+            <a:off x="4515511" y="2407765"/>
             <a:ext cx="1099963" cy="652007"/>
           </a:xfrm>
           <a:prstGeom prst="ellipse">
@@ -3772,13 +3541,17 @@
         </p:nvSpPr>
         <p:spPr>
           <a:xfrm>
-            <a:off x="923097" y="3287675"/>
+            <a:off x="1695336" y="3291083"/>
             <a:ext cx="1255078" cy="652007"/>
           </a:xfrm>
           <a:prstGeom prst="ellipse">
             <a:avLst/>
           </a:prstGeom>
-          <a:ln w="19050"/>
+          <a:ln w="19050">
+            <a:solidFill>
+              <a:srgbClr val="FF0000"/>
+            </a:solidFill>
+          </a:ln>
         </p:spPr>
         <p:style>
           <a:lnRef idx="2">
@@ -3817,52 +3590,17 @@
       </p:sp>
       <p:cxnSp>
         <p:nvCxnSpPr>
-          <p:cNvPr id="32" name="Straight Arrow Connector 31"/>
+          <p:cNvPr id="34" name="Straight Arrow Connector 33"/>
           <p:cNvCxnSpPr>
-            <a:endCxn id="31" idx="0"/>
+            <a:stCxn id="8" idx="2"/>
+            <a:endCxn id="31" idx="6"/>
           </p:cNvCxnSpPr>
           <p:nvPr/>
         </p:nvCxnSpPr>
         <p:spPr>
           <a:xfrm flipH="1">
-            <a:off x="1550636" y="3075800"/>
-            <a:ext cx="23157" cy="211875"/>
-          </a:xfrm>
-          <a:prstGeom prst="straightConnector1">
-            <a:avLst/>
-          </a:prstGeom>
-          <a:ln w="19050">
-            <a:prstDash val="solid"/>
-            <a:tailEnd type="triangle"/>
-          </a:ln>
-        </p:spPr>
-        <p:style>
-          <a:lnRef idx="1">
-            <a:schemeClr val="dk1"/>
-          </a:lnRef>
-          <a:fillRef idx="0">
-            <a:schemeClr val="dk1"/>
-          </a:fillRef>
-          <a:effectRef idx="0">
-            <a:schemeClr val="dk1"/>
-          </a:effectRef>
-          <a:fontRef idx="minor">
-            <a:schemeClr val="tx1"/>
-          </a:fontRef>
-        </p:style>
-      </p:cxnSp>
-      <p:cxnSp>
-        <p:nvCxnSpPr>
-          <p:cNvPr id="34" name="Straight Arrow Connector 33"/>
-          <p:cNvCxnSpPr>
-            <a:stCxn id="8" idx="2"/>
-          </p:cNvCxnSpPr>
-          <p:nvPr/>
-        </p:nvCxnSpPr>
-        <p:spPr>
-          <a:xfrm flipH="1" flipV="1">
-            <a:off x="2170414" y="3599557"/>
-            <a:ext cx="2115019" cy="943878"/>
+            <a:off x="2950414" y="3611264"/>
+            <a:ext cx="1565098" cy="5823"/>
           </a:xfrm>
           <a:prstGeom prst="straightConnector1">
             <a:avLst/>
@@ -3880,6 +3618,74 @@
           </a:fillRef>
           <a:effectRef idx="2">
             <a:schemeClr val="accent1"/>
+          </a:effectRef>
+          <a:fontRef idx="minor">
+            <a:schemeClr val="tx1"/>
+          </a:fontRef>
+        </p:style>
+      </p:cxnSp>
+      <p:cxnSp>
+        <p:nvCxnSpPr>
+          <p:cNvPr id="40" name="Straight Arrow Connector 39"/>
+          <p:cNvCxnSpPr>
+            <a:endCxn id="8" idx="0"/>
+          </p:cNvCxnSpPr>
+          <p:nvPr/>
+        </p:nvCxnSpPr>
+        <p:spPr>
+          <a:xfrm>
+            <a:off x="5096163" y="3059772"/>
+            <a:ext cx="1" cy="225488"/>
+          </a:xfrm>
+          <a:prstGeom prst="straightConnector1">
+            <a:avLst/>
+          </a:prstGeom>
+          <a:ln>
+            <a:tailEnd type="triangle"/>
+          </a:ln>
+        </p:spPr>
+        <p:style>
+          <a:lnRef idx="3">
+            <a:schemeClr val="dk1"/>
+          </a:lnRef>
+          <a:fillRef idx="0">
+            <a:schemeClr val="dk1"/>
+          </a:fillRef>
+          <a:effectRef idx="2">
+            <a:schemeClr val="dk1"/>
+          </a:effectRef>
+          <a:fontRef idx="minor">
+            <a:schemeClr val="tx1"/>
+          </a:fontRef>
+        </p:style>
+      </p:cxnSp>
+      <p:cxnSp>
+        <p:nvCxnSpPr>
+          <p:cNvPr id="47" name="Straight Arrow Connector 46"/>
+          <p:cNvCxnSpPr/>
+          <p:nvPr/>
+        </p:nvCxnSpPr>
+        <p:spPr>
+          <a:xfrm>
+            <a:off x="2332107" y="3066298"/>
+            <a:ext cx="1" cy="225488"/>
+          </a:xfrm>
+          <a:prstGeom prst="straightConnector1">
+            <a:avLst/>
+          </a:prstGeom>
+          <a:ln>
+            <a:tailEnd type="triangle"/>
+          </a:ln>
+        </p:spPr>
+        <p:style>
+          <a:lnRef idx="3">
+            <a:schemeClr val="dk1"/>
+          </a:lnRef>
+          <a:fillRef idx="0">
+            <a:schemeClr val="dk1"/>
+          </a:fillRef>
+          <a:effectRef idx="2">
+            <a:schemeClr val="dk1"/>
           </a:effectRef>
           <a:fontRef idx="minor">
             <a:schemeClr val="tx1"/>
